--- a/자바심화PPT과제/자바심화 5강.pptx
+++ b/자바심화PPT과제/자바심화 5강.pptx
@@ -7,6 +7,8 @@
   <p:sldIdLst>
     <p:sldId id="256" r:id="rId2"/>
     <p:sldId id="272" r:id="rId3"/>
+    <p:sldId id="273" r:id="rId4"/>
+    <p:sldId id="274" r:id="rId5"/>
   </p:sldIdLst>
   <p:sldSz cx="12192000" cy="6858000"/>
   <p:notesSz cx="6858000" cy="9144000"/>
@@ -325,7 +327,7 @@
             <a:fld id="{96DFF08F-DC6B-4601-B491-B0F83F6DD2DA}" type="datetimeFigureOut">
               <a:rPr lang="en-US" dirty="0"/>
               <a:pPr/>
-              <a:t>3/21/2023</a:t>
+              <a:t>3/22/2023</a:t>
             </a:fld>
             <a:endParaRPr lang="en-US" dirty="0"/>
           </a:p>
@@ -542,7 +544,7 @@
           <a:p>
             <a:fld id="{96DFF08F-DC6B-4601-B491-B0F83F6DD2DA}" type="datetimeFigureOut">
               <a:rPr lang="en-US" dirty="0"/>
-              <a:t>3/21/2023</a:t>
+              <a:t>3/22/2023</a:t>
             </a:fld>
             <a:endParaRPr lang="en-US" dirty="0"/>
           </a:p>
@@ -717,7 +719,7 @@
           <a:p>
             <a:fld id="{96DFF08F-DC6B-4601-B491-B0F83F6DD2DA}" type="datetimeFigureOut">
               <a:rPr lang="en-US" dirty="0"/>
-              <a:t>3/21/2023</a:t>
+              <a:t>3/22/2023</a:t>
             </a:fld>
             <a:endParaRPr lang="en-US" dirty="0"/>
           </a:p>
@@ -882,7 +884,7 @@
           <a:p>
             <a:fld id="{96DFF08F-DC6B-4601-B491-B0F83F6DD2DA}" type="datetimeFigureOut">
               <a:rPr lang="en-US" dirty="0"/>
-              <a:t>3/21/2023</a:t>
+              <a:t>3/22/2023</a:t>
             </a:fld>
             <a:endParaRPr lang="en-US" dirty="0"/>
           </a:p>
@@ -1151,7 +1153,7 @@
           <a:p>
             <a:fld id="{96DFF08F-DC6B-4601-B491-B0F83F6DD2DA}" type="datetimeFigureOut">
               <a:rPr lang="en-US" dirty="0"/>
-              <a:t>3/21/2023</a:t>
+              <a:t>3/22/2023</a:t>
             </a:fld>
             <a:endParaRPr lang="en-US" dirty="0"/>
           </a:p>
@@ -1469,7 +1471,7 @@
           <a:p>
             <a:fld id="{96DFF08F-DC6B-4601-B491-B0F83F6DD2DA}" type="datetimeFigureOut">
               <a:rPr lang="en-US" dirty="0"/>
-              <a:t>3/21/2023</a:t>
+              <a:t>3/22/2023</a:t>
             </a:fld>
             <a:endParaRPr lang="en-US" dirty="0"/>
           </a:p>
@@ -1888,7 +1890,7 @@
           <a:p>
             <a:fld id="{96DFF08F-DC6B-4601-B491-B0F83F6DD2DA}" type="datetimeFigureOut">
               <a:rPr lang="en-US" dirty="0"/>
-              <a:t>3/21/2023</a:t>
+              <a:t>3/22/2023</a:t>
             </a:fld>
             <a:endParaRPr lang="en-US" dirty="0"/>
           </a:p>
@@ -2001,7 +2003,7 @@
           <a:p>
             <a:fld id="{96DFF08F-DC6B-4601-B491-B0F83F6DD2DA}" type="datetimeFigureOut">
               <a:rPr lang="en-US" dirty="0"/>
-              <a:t>3/21/2023</a:t>
+              <a:t>3/22/2023</a:t>
             </a:fld>
             <a:endParaRPr lang="en-US" dirty="0"/>
           </a:p>
@@ -2091,7 +2093,7 @@
           <a:p>
             <a:fld id="{96DFF08F-DC6B-4601-B491-B0F83F6DD2DA}" type="datetimeFigureOut">
               <a:rPr lang="en-US" dirty="0"/>
-              <a:t>3/21/2023</a:t>
+              <a:t>3/22/2023</a:t>
             </a:fld>
             <a:endParaRPr lang="en-US" dirty="0"/>
           </a:p>
@@ -2376,7 +2378,7 @@
           <a:p>
             <a:fld id="{96DFF08F-DC6B-4601-B491-B0F83F6DD2DA}" type="datetimeFigureOut">
               <a:rPr lang="en-US" dirty="0"/>
-              <a:t>3/21/2023</a:t>
+              <a:t>3/22/2023</a:t>
             </a:fld>
             <a:endParaRPr lang="en-US" dirty="0"/>
           </a:p>
@@ -2643,7 +2645,7 @@
           <a:p>
             <a:fld id="{96DFF08F-DC6B-4601-B491-B0F83F6DD2DA}" type="datetimeFigureOut">
               <a:rPr lang="en-US" dirty="0"/>
-              <a:t>3/21/2023</a:t>
+              <a:t>3/22/2023</a:t>
             </a:fld>
             <a:endParaRPr lang="en-US" dirty="0"/>
           </a:p>
@@ -2893,7 +2895,7 @@
             <a:fld id="{96DFF08F-DC6B-4601-B491-B0F83F6DD2DA}" type="datetimeFigureOut">
               <a:rPr lang="en-US" dirty="0"/>
               <a:pPr/>
-              <a:t>3/21/2023</a:t>
+              <a:t>3/22/2023</a:t>
             </a:fld>
             <a:endParaRPr lang="en-US" dirty="0"/>
           </a:p>
@@ -3473,10 +3475,6 @@
               </a:rPr>
               <a:t>2023.03.22</a:t>
             </a:r>
-            <a:endParaRPr lang="en-US" altLang="ko-KR" sz="3200" dirty="0" smtClean="0">
-              <a:latin typeface="+mj-ea"/>
-              <a:ea typeface="+mj-ea"/>
-            </a:endParaRPr>
           </a:p>
         </p:txBody>
       </p:sp>
@@ -3540,10 +3538,72 @@
           <a:lstStyle/>
           <a:p>
             <a:pPr algn="ctr"/>
-            <a:endParaRPr lang="ko-KR" altLang="en-US" sz="4000" dirty="0"/>
-          </a:p>
-        </p:txBody>
-      </p:sp>
+            <a:r>
+              <a:rPr lang="ko-KR" altLang="en-US" sz="4000" dirty="0" smtClean="0">
+                <a:latin typeface="+mj-ea"/>
+              </a:rPr>
+              <a:t>구구단</a:t>
+            </a:r>
+            <a:r>
+              <a:rPr lang="en-US" altLang="ko-KR" sz="4000" dirty="0" smtClean="0">
+                <a:latin typeface="+mj-ea"/>
+              </a:rPr>
+              <a:t>1</a:t>
+            </a:r>
+            <a:endParaRPr lang="ko-KR" altLang="en-US" sz="4000" dirty="0">
+              <a:latin typeface="+mj-ea"/>
+            </a:endParaRPr>
+          </a:p>
+        </p:txBody>
+      </p:sp>
+      <p:pic>
+        <p:nvPicPr>
+          <p:cNvPr id="3" name="그림 2"/>
+          <p:cNvPicPr>
+            <a:picLocks noChangeAspect="1"/>
+          </p:cNvPicPr>
+          <p:nvPr/>
+        </p:nvPicPr>
+        <p:blipFill>
+          <a:blip r:embed="rId2"/>
+          <a:stretch>
+            <a:fillRect/>
+          </a:stretch>
+        </p:blipFill>
+        <p:spPr>
+          <a:xfrm>
+            <a:off x="605117" y="1594338"/>
+            <a:ext cx="7620685" cy="4178933"/>
+          </a:xfrm>
+          <a:prstGeom prst="rect">
+            <a:avLst/>
+          </a:prstGeom>
+        </p:spPr>
+      </p:pic>
+      <p:pic>
+        <p:nvPicPr>
+          <p:cNvPr id="4" name="그림 3"/>
+          <p:cNvPicPr>
+            <a:picLocks noChangeAspect="1"/>
+          </p:cNvPicPr>
+          <p:nvPr/>
+        </p:nvPicPr>
+        <p:blipFill>
+          <a:blip r:embed="rId3"/>
+          <a:stretch>
+            <a:fillRect/>
+          </a:stretch>
+        </p:blipFill>
+        <p:spPr>
+          <a:xfrm>
+            <a:off x="8430792" y="1594338"/>
+            <a:ext cx="3362794" cy="5029902"/>
+          </a:xfrm>
+          <a:prstGeom prst="rect">
+            <a:avLst/>
+          </a:prstGeom>
+        </p:spPr>
+      </p:pic>
     </p:spTree>
     <p:extLst>
       <p:ext uri="{BB962C8B-B14F-4D97-AF65-F5344CB8AC3E}">
@@ -3561,6 +3621,233 @@
       </p:par>
     </p:tnLst>
   </p:timing>
+</p:sld>
+</file>
+
+<file path=ppt/slides/slide3.xml><?xml version="1.0" encoding="utf-8"?>
+<p:sld xmlns:a="http://schemas.openxmlformats.org/drawingml/2006/main" xmlns:r="http://schemas.openxmlformats.org/officeDocument/2006/relationships" xmlns:p="http://schemas.openxmlformats.org/presentationml/2006/main">
+  <p:cSld>
+    <p:spTree>
+      <p:nvGrpSpPr>
+        <p:cNvPr id="1" name=""/>
+        <p:cNvGrpSpPr/>
+        <p:nvPr/>
+      </p:nvGrpSpPr>
+      <p:grpSpPr>
+        <a:xfrm>
+          <a:off x="0" y="0"/>
+          <a:ext cx="0" cy="0"/>
+          <a:chOff x="0" y="0"/>
+          <a:chExt cx="0" cy="0"/>
+        </a:xfrm>
+      </p:grpSpPr>
+      <p:sp>
+        <p:nvSpPr>
+          <p:cNvPr id="2" name="제목 1"/>
+          <p:cNvSpPr>
+            <a:spLocks noGrp="1"/>
+          </p:cNvSpPr>
+          <p:nvPr>
+            <p:ph type="title"/>
+          </p:nvPr>
+        </p:nvSpPr>
+        <p:spPr>
+          <a:xfrm>
+            <a:off x="1143000" y="609600"/>
+            <a:ext cx="9875520" cy="1021976"/>
+          </a:xfrm>
+        </p:spPr>
+        <p:txBody>
+          <a:bodyPr>
+            <a:normAutofit/>
+          </a:bodyPr>
+          <a:lstStyle/>
+          <a:p>
+            <a:pPr algn="ctr"/>
+            <a:r>
+              <a:rPr lang="ko-KR" altLang="en-US" sz="4000" dirty="0" smtClean="0">
+                <a:latin typeface="+mj-ea"/>
+              </a:rPr>
+              <a:t>구구단</a:t>
+            </a:r>
+            <a:r>
+              <a:rPr lang="en-US" altLang="ko-KR" sz="4000" dirty="0" smtClean="0">
+                <a:latin typeface="+mj-ea"/>
+              </a:rPr>
+              <a:t>2</a:t>
+            </a:r>
+            <a:endParaRPr lang="ko-KR" altLang="en-US" sz="4000" dirty="0">
+              <a:latin typeface="+mj-ea"/>
+            </a:endParaRPr>
+          </a:p>
+        </p:txBody>
+      </p:sp>
+      <p:pic>
+        <p:nvPicPr>
+          <p:cNvPr id="3" name="그림 2"/>
+          <p:cNvPicPr>
+            <a:picLocks noChangeAspect="1"/>
+          </p:cNvPicPr>
+          <p:nvPr/>
+        </p:nvPicPr>
+        <p:blipFill>
+          <a:blip r:embed="rId2"/>
+          <a:stretch>
+            <a:fillRect/>
+          </a:stretch>
+        </p:blipFill>
+        <p:spPr>
+          <a:xfrm>
+            <a:off x="448656" y="1631575"/>
+            <a:ext cx="8072007" cy="4069977"/>
+          </a:xfrm>
+          <a:prstGeom prst="rect">
+            <a:avLst/>
+          </a:prstGeom>
+        </p:spPr>
+      </p:pic>
+      <p:pic>
+        <p:nvPicPr>
+          <p:cNvPr id="4" name="그림 3"/>
+          <p:cNvPicPr>
+            <a:picLocks noChangeAspect="1"/>
+          </p:cNvPicPr>
+          <p:nvPr/>
+        </p:nvPicPr>
+        <p:blipFill>
+          <a:blip r:embed="rId3"/>
+          <a:stretch>
+            <a:fillRect/>
+          </a:stretch>
+        </p:blipFill>
+        <p:spPr>
+          <a:xfrm>
+            <a:off x="8520663" y="1492823"/>
+            <a:ext cx="3348608" cy="5083881"/>
+          </a:xfrm>
+          <a:prstGeom prst="rect">
+            <a:avLst/>
+          </a:prstGeom>
+        </p:spPr>
+      </p:pic>
+    </p:spTree>
+    <p:extLst>
+      <p:ext uri="{BB962C8B-B14F-4D97-AF65-F5344CB8AC3E}">
+        <p14:creationId xmlns:p14="http://schemas.microsoft.com/office/powerpoint/2010/main" val="2853412553"/>
+      </p:ext>
+    </p:extLst>
+  </p:cSld>
+  <p:clrMapOvr>
+    <a:masterClrMapping/>
+  </p:clrMapOvr>
+</p:sld>
+</file>
+
+<file path=ppt/slides/slide4.xml><?xml version="1.0" encoding="utf-8"?>
+<p:sld xmlns:a="http://schemas.openxmlformats.org/drawingml/2006/main" xmlns:r="http://schemas.openxmlformats.org/officeDocument/2006/relationships" xmlns:p="http://schemas.openxmlformats.org/presentationml/2006/main">
+  <p:cSld>
+    <p:spTree>
+      <p:nvGrpSpPr>
+        <p:cNvPr id="1" name=""/>
+        <p:cNvGrpSpPr/>
+        <p:nvPr/>
+      </p:nvGrpSpPr>
+      <p:grpSpPr>
+        <a:xfrm>
+          <a:off x="0" y="0"/>
+          <a:ext cx="0" cy="0"/>
+          <a:chOff x="0" y="0"/>
+          <a:chExt cx="0" cy="0"/>
+        </a:xfrm>
+      </p:grpSpPr>
+      <p:sp>
+        <p:nvSpPr>
+          <p:cNvPr id="2" name="제목 1"/>
+          <p:cNvSpPr>
+            <a:spLocks noGrp="1"/>
+          </p:cNvSpPr>
+          <p:nvPr>
+            <p:ph type="title"/>
+          </p:nvPr>
+        </p:nvSpPr>
+        <p:spPr>
+          <a:xfrm>
+            <a:off x="9279465" y="592667"/>
+            <a:ext cx="2556935" cy="1356360"/>
+          </a:xfrm>
+        </p:spPr>
+        <p:txBody>
+          <a:bodyPr>
+            <a:normAutofit/>
+          </a:bodyPr>
+          <a:lstStyle/>
+          <a:p>
+            <a:r>
+              <a:rPr lang="ko-KR" altLang="en-US" sz="4000" dirty="0" smtClean="0"/>
+              <a:t>달력 인쇄</a:t>
+            </a:r>
+            <a:endParaRPr lang="ko-KR" altLang="en-US" sz="4000" dirty="0"/>
+          </a:p>
+        </p:txBody>
+      </p:sp>
+      <p:pic>
+        <p:nvPicPr>
+          <p:cNvPr id="3" name="그림 2"/>
+          <p:cNvPicPr>
+            <a:picLocks noChangeAspect="1"/>
+          </p:cNvPicPr>
+          <p:nvPr/>
+        </p:nvPicPr>
+        <p:blipFill>
+          <a:blip r:embed="rId2"/>
+          <a:stretch>
+            <a:fillRect/>
+          </a:stretch>
+        </p:blipFill>
+        <p:spPr>
+          <a:xfrm>
+            <a:off x="252505" y="337769"/>
+            <a:ext cx="7189373" cy="6042132"/>
+          </a:xfrm>
+          <a:prstGeom prst="rect">
+            <a:avLst/>
+          </a:prstGeom>
+        </p:spPr>
+      </p:pic>
+      <p:pic>
+        <p:nvPicPr>
+          <p:cNvPr id="4" name="그림 3"/>
+          <p:cNvPicPr>
+            <a:picLocks noChangeAspect="1"/>
+          </p:cNvPicPr>
+          <p:nvPr/>
+        </p:nvPicPr>
+        <p:blipFill>
+          <a:blip r:embed="rId3"/>
+          <a:stretch>
+            <a:fillRect/>
+          </a:stretch>
+        </p:blipFill>
+        <p:spPr>
+          <a:xfrm>
+            <a:off x="7560411" y="337769"/>
+            <a:ext cx="1639797" cy="6042132"/>
+          </a:xfrm>
+          <a:prstGeom prst="rect">
+            <a:avLst/>
+          </a:prstGeom>
+        </p:spPr>
+      </p:pic>
+    </p:spTree>
+    <p:extLst>
+      <p:ext uri="{BB962C8B-B14F-4D97-AF65-F5344CB8AC3E}">
+        <p14:creationId xmlns:p14="http://schemas.microsoft.com/office/powerpoint/2010/main" val="1594672363"/>
+      </p:ext>
+    </p:extLst>
+  </p:cSld>
+  <p:clrMapOvr>
+    <a:masterClrMapping/>
+  </p:clrMapOvr>
 </p:sld>
 </file>
 

--- a/자바심화PPT과제/자바심화 5강.pptx
+++ b/자바심화PPT과제/자바심화 5강.pptx
@@ -9,6 +9,8 @@
     <p:sldId id="272" r:id="rId3"/>
     <p:sldId id="273" r:id="rId4"/>
     <p:sldId id="274" r:id="rId5"/>
+    <p:sldId id="275" r:id="rId6"/>
+    <p:sldId id="276" r:id="rId7"/>
   </p:sldIdLst>
   <p:sldSz cx="12192000" cy="6858000"/>
   <p:notesSz cx="6858000" cy="9144000"/>
@@ -327,7 +329,7 @@
             <a:fld id="{96DFF08F-DC6B-4601-B491-B0F83F6DD2DA}" type="datetimeFigureOut">
               <a:rPr lang="en-US" dirty="0"/>
               <a:pPr/>
-              <a:t>3/22/2023</a:t>
+              <a:t>3/23/2023</a:t>
             </a:fld>
             <a:endParaRPr lang="en-US" dirty="0"/>
           </a:p>
@@ -544,7 +546,7 @@
           <a:p>
             <a:fld id="{96DFF08F-DC6B-4601-B491-B0F83F6DD2DA}" type="datetimeFigureOut">
               <a:rPr lang="en-US" dirty="0"/>
-              <a:t>3/22/2023</a:t>
+              <a:t>3/23/2023</a:t>
             </a:fld>
             <a:endParaRPr lang="en-US" dirty="0"/>
           </a:p>
@@ -719,7 +721,7 @@
           <a:p>
             <a:fld id="{96DFF08F-DC6B-4601-B491-B0F83F6DD2DA}" type="datetimeFigureOut">
               <a:rPr lang="en-US" dirty="0"/>
-              <a:t>3/22/2023</a:t>
+              <a:t>3/23/2023</a:t>
             </a:fld>
             <a:endParaRPr lang="en-US" dirty="0"/>
           </a:p>
@@ -884,7 +886,7 @@
           <a:p>
             <a:fld id="{96DFF08F-DC6B-4601-B491-B0F83F6DD2DA}" type="datetimeFigureOut">
               <a:rPr lang="en-US" dirty="0"/>
-              <a:t>3/22/2023</a:t>
+              <a:t>3/23/2023</a:t>
             </a:fld>
             <a:endParaRPr lang="en-US" dirty="0"/>
           </a:p>
@@ -1153,7 +1155,7 @@
           <a:p>
             <a:fld id="{96DFF08F-DC6B-4601-B491-B0F83F6DD2DA}" type="datetimeFigureOut">
               <a:rPr lang="en-US" dirty="0"/>
-              <a:t>3/22/2023</a:t>
+              <a:t>3/23/2023</a:t>
             </a:fld>
             <a:endParaRPr lang="en-US" dirty="0"/>
           </a:p>
@@ -1471,7 +1473,7 @@
           <a:p>
             <a:fld id="{96DFF08F-DC6B-4601-B491-B0F83F6DD2DA}" type="datetimeFigureOut">
               <a:rPr lang="en-US" dirty="0"/>
-              <a:t>3/22/2023</a:t>
+              <a:t>3/23/2023</a:t>
             </a:fld>
             <a:endParaRPr lang="en-US" dirty="0"/>
           </a:p>
@@ -1890,7 +1892,7 @@
           <a:p>
             <a:fld id="{96DFF08F-DC6B-4601-B491-B0F83F6DD2DA}" type="datetimeFigureOut">
               <a:rPr lang="en-US" dirty="0"/>
-              <a:t>3/22/2023</a:t>
+              <a:t>3/23/2023</a:t>
             </a:fld>
             <a:endParaRPr lang="en-US" dirty="0"/>
           </a:p>
@@ -2003,7 +2005,7 @@
           <a:p>
             <a:fld id="{96DFF08F-DC6B-4601-B491-B0F83F6DD2DA}" type="datetimeFigureOut">
               <a:rPr lang="en-US" dirty="0"/>
-              <a:t>3/22/2023</a:t>
+              <a:t>3/23/2023</a:t>
             </a:fld>
             <a:endParaRPr lang="en-US" dirty="0"/>
           </a:p>
@@ -2093,7 +2095,7 @@
           <a:p>
             <a:fld id="{96DFF08F-DC6B-4601-B491-B0F83F6DD2DA}" type="datetimeFigureOut">
               <a:rPr lang="en-US" dirty="0"/>
-              <a:t>3/22/2023</a:t>
+              <a:t>3/23/2023</a:t>
             </a:fld>
             <a:endParaRPr lang="en-US" dirty="0"/>
           </a:p>
@@ -2378,7 +2380,7 @@
           <a:p>
             <a:fld id="{96DFF08F-DC6B-4601-B491-B0F83F6DD2DA}" type="datetimeFigureOut">
               <a:rPr lang="en-US" dirty="0"/>
-              <a:t>3/22/2023</a:t>
+              <a:t>3/23/2023</a:t>
             </a:fld>
             <a:endParaRPr lang="en-US" dirty="0"/>
           </a:p>
@@ -2645,7 +2647,7 @@
           <a:p>
             <a:fld id="{96DFF08F-DC6B-4601-B491-B0F83F6DD2DA}" type="datetimeFigureOut">
               <a:rPr lang="en-US" dirty="0"/>
-              <a:t>3/22/2023</a:t>
+              <a:t>3/23/2023</a:t>
             </a:fld>
             <a:endParaRPr lang="en-US" dirty="0"/>
           </a:p>
@@ -2895,7 +2897,7 @@
             <a:fld id="{96DFF08F-DC6B-4601-B491-B0F83F6DD2DA}" type="datetimeFigureOut">
               <a:rPr lang="en-US" dirty="0"/>
               <a:pPr/>
-              <a:t>3/22/2023</a:t>
+              <a:t>3/23/2023</a:t>
             </a:fld>
             <a:endParaRPr lang="en-US" dirty="0"/>
           </a:p>
@@ -3851,6 +3853,246 @@
 </p:sld>
 </file>
 
+<file path=ppt/slides/slide5.xml><?xml version="1.0" encoding="utf-8"?>
+<p:sld xmlns:a="http://schemas.openxmlformats.org/drawingml/2006/main" xmlns:r="http://schemas.openxmlformats.org/officeDocument/2006/relationships" xmlns:p="http://schemas.openxmlformats.org/presentationml/2006/main">
+  <p:cSld>
+    <p:spTree>
+      <p:nvGrpSpPr>
+        <p:cNvPr id="1" name=""/>
+        <p:cNvGrpSpPr/>
+        <p:nvPr/>
+      </p:nvGrpSpPr>
+      <p:grpSpPr>
+        <a:xfrm>
+          <a:off x="0" y="0"/>
+          <a:ext cx="0" cy="0"/>
+          <a:chOff x="0" y="0"/>
+          <a:chExt cx="0" cy="0"/>
+        </a:xfrm>
+      </p:grpSpPr>
+      <p:sp>
+        <p:nvSpPr>
+          <p:cNvPr id="2" name="제목 1"/>
+          <p:cNvSpPr>
+            <a:spLocks noGrp="1"/>
+          </p:cNvSpPr>
+          <p:nvPr>
+            <p:ph type="title"/>
+          </p:nvPr>
+        </p:nvSpPr>
+        <p:spPr>
+          <a:xfrm>
+            <a:off x="1752600" y="5148867"/>
+            <a:ext cx="4343400" cy="945487"/>
+          </a:xfrm>
+        </p:spPr>
+        <p:txBody>
+          <a:bodyPr>
+            <a:normAutofit/>
+          </a:bodyPr>
+          <a:lstStyle/>
+          <a:p>
+            <a:r>
+              <a:rPr lang="ko-KR" altLang="en-US" sz="4000" dirty="0" smtClean="0"/>
+              <a:t>김치찌개 영수증</a:t>
+            </a:r>
+            <a:endParaRPr lang="ko-KR" altLang="en-US" sz="4000" dirty="0"/>
+          </a:p>
+        </p:txBody>
+      </p:sp>
+      <p:pic>
+        <p:nvPicPr>
+          <p:cNvPr id="3" name="그림 2"/>
+          <p:cNvPicPr>
+            <a:picLocks noChangeAspect="1"/>
+          </p:cNvPicPr>
+          <p:nvPr/>
+        </p:nvPicPr>
+        <p:blipFill>
+          <a:blip r:embed="rId2"/>
+          <a:stretch>
+            <a:fillRect/>
+          </a:stretch>
+        </p:blipFill>
+        <p:spPr>
+          <a:xfrm>
+            <a:off x="363040" y="420710"/>
+            <a:ext cx="9929822" cy="4381590"/>
+          </a:xfrm>
+          <a:prstGeom prst="rect">
+            <a:avLst/>
+          </a:prstGeom>
+        </p:spPr>
+      </p:pic>
+      <p:pic>
+        <p:nvPicPr>
+          <p:cNvPr id="4" name="그림 3"/>
+          <p:cNvPicPr>
+            <a:picLocks noChangeAspect="1"/>
+          </p:cNvPicPr>
+          <p:nvPr/>
+        </p:nvPicPr>
+        <p:blipFill>
+          <a:blip r:embed="rId3"/>
+          <a:stretch>
+            <a:fillRect/>
+          </a:stretch>
+        </p:blipFill>
+        <p:spPr>
+          <a:xfrm>
+            <a:off x="8276493" y="3163678"/>
+            <a:ext cx="3506742" cy="3277243"/>
+          </a:xfrm>
+          <a:prstGeom prst="rect">
+            <a:avLst/>
+          </a:prstGeom>
+        </p:spPr>
+      </p:pic>
+    </p:spTree>
+    <p:extLst>
+      <p:ext uri="{BB962C8B-B14F-4D97-AF65-F5344CB8AC3E}">
+        <p14:creationId xmlns:p14="http://schemas.microsoft.com/office/powerpoint/2010/main" val="3765578881"/>
+      </p:ext>
+    </p:extLst>
+  </p:cSld>
+  <p:clrMapOvr>
+    <a:masterClrMapping/>
+  </p:clrMapOvr>
+</p:sld>
+</file>
+
+<file path=ppt/slides/slide6.xml><?xml version="1.0" encoding="utf-8"?>
+<p:sld xmlns:a="http://schemas.openxmlformats.org/drawingml/2006/main" xmlns:r="http://schemas.openxmlformats.org/officeDocument/2006/relationships" xmlns:p="http://schemas.openxmlformats.org/presentationml/2006/main">
+  <p:cSld>
+    <p:spTree>
+      <p:nvGrpSpPr>
+        <p:cNvPr id="1" name=""/>
+        <p:cNvGrpSpPr/>
+        <p:nvPr/>
+      </p:nvGrpSpPr>
+      <p:grpSpPr>
+        <a:xfrm>
+          <a:off x="0" y="0"/>
+          <a:ext cx="0" cy="0"/>
+          <a:chOff x="0" y="0"/>
+          <a:chExt cx="0" cy="0"/>
+        </a:xfrm>
+      </p:grpSpPr>
+      <p:sp>
+        <p:nvSpPr>
+          <p:cNvPr id="2" name="제목 1"/>
+          <p:cNvSpPr>
+            <a:spLocks noGrp="1"/>
+          </p:cNvSpPr>
+          <p:nvPr>
+            <p:ph type="title"/>
+          </p:nvPr>
+        </p:nvSpPr>
+        <p:spPr/>
+        <p:txBody>
+          <a:bodyPr>
+            <a:normAutofit/>
+          </a:bodyPr>
+          <a:lstStyle/>
+          <a:p>
+            <a:pPr algn="r"/>
+            <a:r>
+              <a:rPr lang="ko-KR" altLang="en-US" sz="4000" dirty="0" err="1" smtClean="0"/>
+              <a:t>다이소</a:t>
+            </a:r>
+            <a:r>
+              <a:rPr lang="ko-KR" altLang="en-US" sz="4000" dirty="0" smtClean="0"/>
+              <a:t> 영수증</a:t>
+            </a:r>
+            <a:endParaRPr lang="ko-KR" altLang="en-US" sz="4000" dirty="0"/>
+          </a:p>
+        </p:txBody>
+      </p:sp>
+      <p:pic>
+        <p:nvPicPr>
+          <p:cNvPr id="3" name="그림 2"/>
+          <p:cNvPicPr>
+            <a:picLocks noChangeAspect="1"/>
+          </p:cNvPicPr>
+          <p:nvPr/>
+        </p:nvPicPr>
+        <p:blipFill>
+          <a:blip r:embed="rId2"/>
+          <a:stretch>
+            <a:fillRect/>
+          </a:stretch>
+        </p:blipFill>
+        <p:spPr>
+          <a:xfrm>
+            <a:off x="499408" y="384989"/>
+            <a:ext cx="6393760" cy="2920446"/>
+          </a:xfrm>
+          <a:prstGeom prst="rect">
+            <a:avLst/>
+          </a:prstGeom>
+        </p:spPr>
+      </p:pic>
+      <p:pic>
+        <p:nvPicPr>
+          <p:cNvPr id="4" name="그림 3"/>
+          <p:cNvPicPr>
+            <a:picLocks noChangeAspect="1"/>
+          </p:cNvPicPr>
+          <p:nvPr/>
+        </p:nvPicPr>
+        <p:blipFill>
+          <a:blip r:embed="rId3"/>
+          <a:stretch>
+            <a:fillRect/>
+          </a:stretch>
+        </p:blipFill>
+        <p:spPr>
+          <a:xfrm>
+            <a:off x="499408" y="3348590"/>
+            <a:ext cx="6393759" cy="3201847"/>
+          </a:xfrm>
+          <a:prstGeom prst="rect">
+            <a:avLst/>
+          </a:prstGeom>
+        </p:spPr>
+      </p:pic>
+      <p:pic>
+        <p:nvPicPr>
+          <p:cNvPr id="5" name="그림 4"/>
+          <p:cNvPicPr>
+            <a:picLocks noChangeAspect="1"/>
+          </p:cNvPicPr>
+          <p:nvPr/>
+        </p:nvPicPr>
+        <p:blipFill>
+          <a:blip r:embed="rId4"/>
+          <a:stretch>
+            <a:fillRect/>
+          </a:stretch>
+        </p:blipFill>
+        <p:spPr>
+          <a:xfrm>
+            <a:off x="7198653" y="2611483"/>
+            <a:ext cx="4380510" cy="3938954"/>
+          </a:xfrm>
+          <a:prstGeom prst="rect">
+            <a:avLst/>
+          </a:prstGeom>
+        </p:spPr>
+      </p:pic>
+    </p:spTree>
+    <p:extLst>
+      <p:ext uri="{BB962C8B-B14F-4D97-AF65-F5344CB8AC3E}">
+        <p14:creationId xmlns:p14="http://schemas.microsoft.com/office/powerpoint/2010/main" val="634766916"/>
+      </p:ext>
+    </p:extLst>
+  </p:cSld>
+  <p:clrMapOvr>
+    <a:masterClrMapping/>
+  </p:clrMapOvr>
+</p:sld>
+</file>
+
 <file path=ppt/theme/theme1.xml><?xml version="1.0" encoding="utf-8"?>
 <a:theme xmlns:a="http://schemas.openxmlformats.org/drawingml/2006/main" name="기본">
   <a:themeElements>

--- a/자바심화PPT과제/자바심화 5강.pptx
+++ b/자바심화PPT과제/자바심화 5강.pptx
@@ -11,6 +11,10 @@
     <p:sldId id="274" r:id="rId5"/>
     <p:sldId id="275" r:id="rId6"/>
     <p:sldId id="276" r:id="rId7"/>
+    <p:sldId id="277" r:id="rId8"/>
+    <p:sldId id="278" r:id="rId9"/>
+    <p:sldId id="279" r:id="rId10"/>
+    <p:sldId id="280" r:id="rId11"/>
   </p:sldIdLst>
   <p:sldSz cx="12192000" cy="6858000"/>
   <p:notesSz cx="6858000" cy="9144000"/>
@@ -3500,6 +3504,77 @@
 </p:sld>
 </file>
 
+<file path=ppt/slides/slide10.xml><?xml version="1.0" encoding="utf-8"?>
+<p:sld xmlns:a="http://schemas.openxmlformats.org/drawingml/2006/main" xmlns:r="http://schemas.openxmlformats.org/officeDocument/2006/relationships" xmlns:p="http://schemas.openxmlformats.org/presentationml/2006/main">
+  <p:cSld>
+    <p:spTree>
+      <p:nvGrpSpPr>
+        <p:cNvPr id="1" name=""/>
+        <p:cNvGrpSpPr/>
+        <p:nvPr/>
+      </p:nvGrpSpPr>
+      <p:grpSpPr>
+        <a:xfrm>
+          <a:off x="0" y="0"/>
+          <a:ext cx="0" cy="0"/>
+          <a:chOff x="0" y="0"/>
+          <a:chExt cx="0" cy="0"/>
+        </a:xfrm>
+      </p:grpSpPr>
+      <p:sp>
+        <p:nvSpPr>
+          <p:cNvPr id="2" name="제목 1"/>
+          <p:cNvSpPr>
+            <a:spLocks noGrp="1"/>
+          </p:cNvSpPr>
+          <p:nvPr>
+            <p:ph type="title"/>
+          </p:nvPr>
+        </p:nvSpPr>
+        <p:spPr>
+          <a:xfrm>
+            <a:off x="7219949" y="0"/>
+            <a:ext cx="4539095" cy="1356360"/>
+          </a:xfrm>
+        </p:spPr>
+        <p:txBody>
+          <a:bodyPr>
+            <a:normAutofit/>
+          </a:bodyPr>
+          <a:lstStyle/>
+          <a:p>
+            <a:pPr algn="r"/>
+            <a:r>
+              <a:rPr lang="ko-KR" altLang="en-US" sz="4000" dirty="0" err="1" smtClean="0">
+                <a:latin typeface="+mj-ea"/>
+              </a:rPr>
+              <a:t>이마트</a:t>
+            </a:r>
+            <a:r>
+              <a:rPr lang="ko-KR" altLang="en-US" sz="4000" dirty="0" smtClean="0">
+                <a:latin typeface="+mj-ea"/>
+              </a:rPr>
+              <a:t> 영수증</a:t>
+            </a:r>
+            <a:endParaRPr lang="ko-KR" altLang="en-US" sz="4000" dirty="0">
+              <a:latin typeface="+mj-ea"/>
+            </a:endParaRPr>
+          </a:p>
+        </p:txBody>
+      </p:sp>
+    </p:spTree>
+    <p:extLst>
+      <p:ext uri="{BB962C8B-B14F-4D97-AF65-F5344CB8AC3E}">
+        <p14:creationId xmlns:p14="http://schemas.microsoft.com/office/powerpoint/2010/main" val="2085789337"/>
+      </p:ext>
+    </p:extLst>
+  </p:cSld>
+  <p:clrMapOvr>
+    <a:masterClrMapping/>
+  </p:clrMapOvr>
+</p:sld>
+</file>
+
 <file path=ppt/slides/slide2.xml><?xml version="1.0" encoding="utf-8"?>
 <p:sld xmlns:a="http://schemas.openxmlformats.org/drawingml/2006/main" xmlns:r="http://schemas.openxmlformats.org/officeDocument/2006/relationships" xmlns:p="http://schemas.openxmlformats.org/presentationml/2006/main">
   <p:cSld>
@@ -3978,39 +4053,9 @@
           <a:chExt cx="0" cy="0"/>
         </a:xfrm>
       </p:grpSpPr>
-      <p:sp>
-        <p:nvSpPr>
-          <p:cNvPr id="2" name="제목 1"/>
-          <p:cNvSpPr>
-            <a:spLocks noGrp="1"/>
-          </p:cNvSpPr>
-          <p:nvPr>
-            <p:ph type="title"/>
-          </p:nvPr>
-        </p:nvSpPr>
-        <p:spPr/>
-        <p:txBody>
-          <a:bodyPr>
-            <a:normAutofit/>
-          </a:bodyPr>
-          <a:lstStyle/>
-          <a:p>
-            <a:pPr algn="r"/>
-            <a:r>
-              <a:rPr lang="ko-KR" altLang="en-US" sz="4000" dirty="0" err="1" smtClean="0"/>
-              <a:t>다이소</a:t>
-            </a:r>
-            <a:r>
-              <a:rPr lang="ko-KR" altLang="en-US" sz="4000" dirty="0" smtClean="0"/>
-              <a:t> 영수증</a:t>
-            </a:r>
-            <a:endParaRPr lang="ko-KR" altLang="en-US" sz="4000" dirty="0"/>
-          </a:p>
-        </p:txBody>
-      </p:sp>
       <p:pic>
         <p:nvPicPr>
-          <p:cNvPr id="3" name="그림 2"/>
+          <p:cNvPr id="10" name="그림 9"/>
           <p:cNvPicPr>
             <a:picLocks noChangeAspect="1"/>
           </p:cNvPicPr>
@@ -4024,8 +4069,217 @@
         </p:blipFill>
         <p:spPr>
           <a:xfrm>
-            <a:off x="499408" y="384989"/>
-            <a:ext cx="6393760" cy="2920446"/>
+            <a:off x="343044" y="415231"/>
+            <a:ext cx="8400906" cy="6061769"/>
+          </a:xfrm>
+          <a:prstGeom prst="rect">
+            <a:avLst/>
+          </a:prstGeom>
+        </p:spPr>
+      </p:pic>
+      <p:sp>
+        <p:nvSpPr>
+          <p:cNvPr id="2" name="제목 1"/>
+          <p:cNvSpPr>
+            <a:spLocks noGrp="1"/>
+          </p:cNvSpPr>
+          <p:nvPr>
+            <p:ph type="title"/>
+          </p:nvPr>
+        </p:nvSpPr>
+        <p:spPr>
+          <a:xfrm>
+            <a:off x="7219949" y="0"/>
+            <a:ext cx="4539095" cy="1356360"/>
+          </a:xfrm>
+        </p:spPr>
+        <p:txBody>
+          <a:bodyPr>
+            <a:normAutofit/>
+          </a:bodyPr>
+          <a:lstStyle/>
+          <a:p>
+            <a:pPr algn="r"/>
+            <a:r>
+              <a:rPr lang="ko-KR" altLang="en-US" sz="4000" dirty="0" err="1" smtClean="0">
+                <a:latin typeface="+mj-ea"/>
+              </a:rPr>
+              <a:t>다이소</a:t>
+            </a:r>
+            <a:r>
+              <a:rPr lang="ko-KR" altLang="en-US" sz="4000" dirty="0" smtClean="0">
+                <a:latin typeface="+mj-ea"/>
+              </a:rPr>
+              <a:t> </a:t>
+            </a:r>
+            <a:r>
+              <a:rPr lang="ko-KR" altLang="en-US" sz="4000" dirty="0" smtClean="0">
+                <a:latin typeface="+mj-ea"/>
+              </a:rPr>
+              <a:t>영수증</a:t>
+            </a:r>
+            <a:endParaRPr lang="ko-KR" altLang="en-US" sz="4000" dirty="0">
+              <a:latin typeface="+mj-ea"/>
+            </a:endParaRPr>
+          </a:p>
+        </p:txBody>
+      </p:sp>
+    </p:spTree>
+    <p:extLst>
+      <p:ext uri="{BB962C8B-B14F-4D97-AF65-F5344CB8AC3E}">
+        <p14:creationId xmlns:p14="http://schemas.microsoft.com/office/powerpoint/2010/main" val="634766916"/>
+      </p:ext>
+    </p:extLst>
+  </p:cSld>
+  <p:clrMapOvr>
+    <a:masterClrMapping/>
+  </p:clrMapOvr>
+</p:sld>
+</file>
+
+<file path=ppt/slides/slide7.xml><?xml version="1.0" encoding="utf-8"?>
+<p:sld xmlns:a="http://schemas.openxmlformats.org/drawingml/2006/main" xmlns:r="http://schemas.openxmlformats.org/officeDocument/2006/relationships" xmlns:p="http://schemas.openxmlformats.org/presentationml/2006/main">
+  <p:cSld>
+    <p:spTree>
+      <p:nvGrpSpPr>
+        <p:cNvPr id="1" name=""/>
+        <p:cNvGrpSpPr/>
+        <p:nvPr/>
+      </p:nvGrpSpPr>
+      <p:grpSpPr>
+        <a:xfrm>
+          <a:off x="0" y="0"/>
+          <a:ext cx="0" cy="0"/>
+          <a:chOff x="0" y="0"/>
+          <a:chExt cx="0" cy="0"/>
+        </a:xfrm>
+      </p:grpSpPr>
+      <p:pic>
+        <p:nvPicPr>
+          <p:cNvPr id="2" name="그림 1"/>
+          <p:cNvPicPr>
+            <a:picLocks noChangeAspect="1"/>
+          </p:cNvPicPr>
+          <p:nvPr/>
+        </p:nvPicPr>
+        <p:blipFill>
+          <a:blip r:embed="rId2"/>
+          <a:stretch>
+            <a:fillRect/>
+          </a:stretch>
+        </p:blipFill>
+        <p:spPr>
+          <a:xfrm>
+            <a:off x="538873" y="277089"/>
+            <a:ext cx="6928727" cy="6301624"/>
+          </a:xfrm>
+          <a:prstGeom prst="rect">
+            <a:avLst/>
+          </a:prstGeom>
+        </p:spPr>
+      </p:pic>
+    </p:spTree>
+    <p:extLst>
+      <p:ext uri="{BB962C8B-B14F-4D97-AF65-F5344CB8AC3E}">
+        <p14:creationId xmlns:p14="http://schemas.microsoft.com/office/powerpoint/2010/main" val="4285775857"/>
+      </p:ext>
+    </p:extLst>
+  </p:cSld>
+  <p:clrMapOvr>
+    <a:masterClrMapping/>
+  </p:clrMapOvr>
+</p:sld>
+</file>
+
+<file path=ppt/slides/slide8.xml><?xml version="1.0" encoding="utf-8"?>
+<p:sld xmlns:a="http://schemas.openxmlformats.org/drawingml/2006/main" xmlns:r="http://schemas.openxmlformats.org/officeDocument/2006/relationships" xmlns:p="http://schemas.openxmlformats.org/presentationml/2006/main">
+  <p:cSld>
+    <p:spTree>
+      <p:nvGrpSpPr>
+        <p:cNvPr id="1" name=""/>
+        <p:cNvGrpSpPr/>
+        <p:nvPr/>
+      </p:nvGrpSpPr>
+      <p:grpSpPr>
+        <a:xfrm>
+          <a:off x="0" y="0"/>
+          <a:ext cx="0" cy="0"/>
+          <a:chOff x="0" y="0"/>
+          <a:chExt cx="0" cy="0"/>
+        </a:xfrm>
+      </p:grpSpPr>
+      <p:pic>
+        <p:nvPicPr>
+          <p:cNvPr id="2" name="그림 1"/>
+          <p:cNvPicPr>
+            <a:picLocks noChangeAspect="1"/>
+          </p:cNvPicPr>
+          <p:nvPr/>
+        </p:nvPicPr>
+        <p:blipFill>
+          <a:blip r:embed="rId2"/>
+          <a:stretch>
+            <a:fillRect/>
+          </a:stretch>
+        </p:blipFill>
+        <p:spPr>
+          <a:xfrm>
+            <a:off x="308904" y="242530"/>
+            <a:ext cx="11399858" cy="6177320"/>
+          </a:xfrm>
+          <a:prstGeom prst="rect">
+            <a:avLst/>
+          </a:prstGeom>
+        </p:spPr>
+      </p:pic>
+    </p:spTree>
+    <p:extLst>
+      <p:ext uri="{BB962C8B-B14F-4D97-AF65-F5344CB8AC3E}">
+        <p14:creationId xmlns:p14="http://schemas.microsoft.com/office/powerpoint/2010/main" val="3932726514"/>
+      </p:ext>
+    </p:extLst>
+  </p:cSld>
+  <p:clrMapOvr>
+    <a:masterClrMapping/>
+  </p:clrMapOvr>
+</p:sld>
+</file>
+
+<file path=ppt/slides/slide9.xml><?xml version="1.0" encoding="utf-8"?>
+<p:sld xmlns:a="http://schemas.openxmlformats.org/drawingml/2006/main" xmlns:r="http://schemas.openxmlformats.org/officeDocument/2006/relationships" xmlns:p="http://schemas.openxmlformats.org/presentationml/2006/main">
+  <p:cSld>
+    <p:spTree>
+      <p:nvGrpSpPr>
+        <p:cNvPr id="1" name=""/>
+        <p:cNvGrpSpPr/>
+        <p:nvPr/>
+      </p:nvGrpSpPr>
+      <p:grpSpPr>
+        <a:xfrm>
+          <a:off x="0" y="0"/>
+          <a:ext cx="0" cy="0"/>
+          <a:chOff x="0" y="0"/>
+          <a:chExt cx="0" cy="0"/>
+        </a:xfrm>
+      </p:grpSpPr>
+      <p:pic>
+        <p:nvPicPr>
+          <p:cNvPr id="2" name="그림 1"/>
+          <p:cNvPicPr>
+            <a:picLocks noChangeAspect="1"/>
+          </p:cNvPicPr>
+          <p:nvPr/>
+        </p:nvPicPr>
+        <p:blipFill>
+          <a:blip r:embed="rId2"/>
+          <a:stretch>
+            <a:fillRect/>
+          </a:stretch>
+        </p:blipFill>
+        <p:spPr>
+          <a:xfrm>
+            <a:off x="390103" y="323470"/>
+            <a:ext cx="5820197" cy="6134480"/>
           </a:xfrm>
           <a:prstGeom prst="rect">
             <a:avLst/>
@@ -4034,7 +4288,7 @@
       </p:pic>
       <p:pic>
         <p:nvPicPr>
-          <p:cNvPr id="4" name="그림 3"/>
+          <p:cNvPr id="3" name="그림 2"/>
           <p:cNvPicPr>
             <a:picLocks noChangeAspect="1"/>
           </p:cNvPicPr>
@@ -4048,32 +4302,8 @@
         </p:blipFill>
         <p:spPr>
           <a:xfrm>
-            <a:off x="499408" y="3348590"/>
-            <a:ext cx="6393759" cy="3201847"/>
-          </a:xfrm>
-          <a:prstGeom prst="rect">
-            <a:avLst/>
-          </a:prstGeom>
-        </p:spPr>
-      </p:pic>
-      <p:pic>
-        <p:nvPicPr>
-          <p:cNvPr id="5" name="그림 4"/>
-          <p:cNvPicPr>
-            <a:picLocks noChangeAspect="1"/>
-          </p:cNvPicPr>
-          <p:nvPr/>
-        </p:nvPicPr>
-        <p:blipFill>
-          <a:blip r:embed="rId4"/>
-          <a:stretch>
-            <a:fillRect/>
-          </a:stretch>
-        </p:blipFill>
-        <p:spPr>
-          <a:xfrm>
-            <a:off x="7198653" y="2611483"/>
-            <a:ext cx="4380510" cy="3938954"/>
+            <a:off x="7751527" y="323470"/>
+            <a:ext cx="3449874" cy="6266439"/>
           </a:xfrm>
           <a:prstGeom prst="rect">
             <a:avLst/>
@@ -4083,7 +4313,7 @@
     </p:spTree>
     <p:extLst>
       <p:ext uri="{BB962C8B-B14F-4D97-AF65-F5344CB8AC3E}">
-        <p14:creationId xmlns:p14="http://schemas.microsoft.com/office/powerpoint/2010/main" val="634766916"/>
+        <p14:creationId xmlns:p14="http://schemas.microsoft.com/office/powerpoint/2010/main" val="1738847053"/>
       </p:ext>
     </p:extLst>
   </p:cSld>

--- a/자바심화PPT과제/자바심화 5강.pptx
+++ b/자바심화PPT과제/자바심화 5강.pptx
@@ -15,6 +15,9 @@
     <p:sldId id="278" r:id="rId9"/>
     <p:sldId id="279" r:id="rId10"/>
     <p:sldId id="280" r:id="rId11"/>
+    <p:sldId id="281" r:id="rId12"/>
+    <p:sldId id="282" r:id="rId13"/>
+    <p:sldId id="283" r:id="rId14"/>
   </p:sldIdLst>
   <p:sldSz cx="12192000" cy="6858000"/>
   <p:notesSz cx="6858000" cy="9144000"/>
@@ -3479,8 +3482,12 @@
                 <a:latin typeface="+mj-ea"/>
                 <a:ea typeface="+mj-ea"/>
               </a:rPr>
-              <a:t>2023.03.22</a:t>
-            </a:r>
+              <a:t>2023.03.22~23</a:t>
+            </a:r>
+            <a:endParaRPr lang="en-US" altLang="ko-KR" sz="3200" dirty="0" smtClean="0">
+              <a:latin typeface="+mj-ea"/>
+              <a:ea typeface="+mj-ea"/>
+            </a:endParaRPr>
           </a:p>
         </p:txBody>
       </p:sp>
@@ -3521,6 +3528,30 @@
           <a:chExt cx="0" cy="0"/>
         </a:xfrm>
       </p:grpSpPr>
+      <p:pic>
+        <p:nvPicPr>
+          <p:cNvPr id="4" name="그림 3"/>
+          <p:cNvPicPr>
+            <a:picLocks noChangeAspect="1"/>
+          </p:cNvPicPr>
+          <p:nvPr/>
+        </p:nvPicPr>
+        <p:blipFill>
+          <a:blip r:embed="rId2"/>
+          <a:stretch>
+            <a:fillRect/>
+          </a:stretch>
+        </p:blipFill>
+        <p:spPr>
+          <a:xfrm>
+            <a:off x="304356" y="399718"/>
+            <a:ext cx="11522722" cy="6100835"/>
+          </a:xfrm>
+          <a:prstGeom prst="rect">
+            <a:avLst/>
+          </a:prstGeom>
+        </p:spPr>
+      </p:pic>
       <p:sp>
         <p:nvSpPr>
           <p:cNvPr id="2" name="제목 1"/>
@@ -3533,7 +3564,7 @@
         </p:nvSpPr>
         <p:spPr>
           <a:xfrm>
-            <a:off x="7219949" y="0"/>
+            <a:off x="7251394" y="4039985"/>
             <a:ext cx="4539095" cy="1356360"/>
           </a:xfrm>
         </p:spPr>
@@ -3566,6 +3597,192 @@
     <p:extLst>
       <p:ext uri="{BB962C8B-B14F-4D97-AF65-F5344CB8AC3E}">
         <p14:creationId xmlns:p14="http://schemas.microsoft.com/office/powerpoint/2010/main" val="2085789337"/>
+      </p:ext>
+    </p:extLst>
+  </p:cSld>
+  <p:clrMapOvr>
+    <a:masterClrMapping/>
+  </p:clrMapOvr>
+</p:sld>
+</file>
+
+<file path=ppt/slides/slide11.xml><?xml version="1.0" encoding="utf-8"?>
+<p:sld xmlns:a="http://schemas.openxmlformats.org/drawingml/2006/main" xmlns:r="http://schemas.openxmlformats.org/officeDocument/2006/relationships" xmlns:p="http://schemas.openxmlformats.org/presentationml/2006/main">
+  <p:cSld>
+    <p:spTree>
+      <p:nvGrpSpPr>
+        <p:cNvPr id="1" name=""/>
+        <p:cNvGrpSpPr/>
+        <p:nvPr/>
+      </p:nvGrpSpPr>
+      <p:grpSpPr>
+        <a:xfrm>
+          <a:off x="0" y="0"/>
+          <a:ext cx="0" cy="0"/>
+          <a:chOff x="0" y="0"/>
+          <a:chExt cx="0" cy="0"/>
+        </a:xfrm>
+      </p:grpSpPr>
+      <p:pic>
+        <p:nvPicPr>
+          <p:cNvPr id="4" name="그림 3"/>
+          <p:cNvPicPr>
+            <a:picLocks noChangeAspect="1"/>
+          </p:cNvPicPr>
+          <p:nvPr/>
+        </p:nvPicPr>
+        <p:blipFill>
+          <a:blip r:embed="rId2"/>
+          <a:stretch>
+            <a:fillRect/>
+          </a:stretch>
+        </p:blipFill>
+        <p:spPr>
+          <a:xfrm>
+            <a:off x="335251" y="299257"/>
+            <a:ext cx="7944226" cy="6218163"/>
+          </a:xfrm>
+          <a:prstGeom prst="rect">
+            <a:avLst/>
+          </a:prstGeom>
+        </p:spPr>
+      </p:pic>
+    </p:spTree>
+    <p:extLst>
+      <p:ext uri="{BB962C8B-B14F-4D97-AF65-F5344CB8AC3E}">
+        <p14:creationId xmlns:p14="http://schemas.microsoft.com/office/powerpoint/2010/main" val="2833330401"/>
+      </p:ext>
+    </p:extLst>
+  </p:cSld>
+  <p:clrMapOvr>
+    <a:masterClrMapping/>
+  </p:clrMapOvr>
+</p:sld>
+</file>
+
+<file path=ppt/slides/slide12.xml><?xml version="1.0" encoding="utf-8"?>
+<p:sld xmlns:a="http://schemas.openxmlformats.org/drawingml/2006/main" xmlns:r="http://schemas.openxmlformats.org/officeDocument/2006/relationships" xmlns:p="http://schemas.openxmlformats.org/presentationml/2006/main">
+  <p:cSld>
+    <p:spTree>
+      <p:nvGrpSpPr>
+        <p:cNvPr id="1" name=""/>
+        <p:cNvGrpSpPr/>
+        <p:nvPr/>
+      </p:nvGrpSpPr>
+      <p:grpSpPr>
+        <a:xfrm>
+          <a:off x="0" y="0"/>
+          <a:ext cx="0" cy="0"/>
+          <a:chOff x="0" y="0"/>
+          <a:chExt cx="0" cy="0"/>
+        </a:xfrm>
+      </p:grpSpPr>
+      <p:pic>
+        <p:nvPicPr>
+          <p:cNvPr id="3" name="그림 2"/>
+          <p:cNvPicPr>
+            <a:picLocks noChangeAspect="1"/>
+          </p:cNvPicPr>
+          <p:nvPr/>
+        </p:nvPicPr>
+        <p:blipFill>
+          <a:blip r:embed="rId2"/>
+          <a:stretch>
+            <a:fillRect/>
+          </a:stretch>
+        </p:blipFill>
+        <p:spPr>
+          <a:xfrm>
+            <a:off x="413854" y="328343"/>
+            <a:ext cx="11393731" cy="3163001"/>
+          </a:xfrm>
+          <a:prstGeom prst="rect">
+            <a:avLst/>
+          </a:prstGeom>
+        </p:spPr>
+      </p:pic>
+    </p:spTree>
+    <p:extLst>
+      <p:ext uri="{BB962C8B-B14F-4D97-AF65-F5344CB8AC3E}">
+        <p14:creationId xmlns:p14="http://schemas.microsoft.com/office/powerpoint/2010/main" val="1134386333"/>
+      </p:ext>
+    </p:extLst>
+  </p:cSld>
+  <p:clrMapOvr>
+    <a:masterClrMapping/>
+  </p:clrMapOvr>
+</p:sld>
+</file>
+
+<file path=ppt/slides/slide13.xml><?xml version="1.0" encoding="utf-8"?>
+<p:sld xmlns:a="http://schemas.openxmlformats.org/drawingml/2006/main" xmlns:r="http://schemas.openxmlformats.org/officeDocument/2006/relationships" xmlns:p="http://schemas.openxmlformats.org/presentationml/2006/main">
+  <p:cSld>
+    <p:spTree>
+      <p:nvGrpSpPr>
+        <p:cNvPr id="1" name=""/>
+        <p:cNvGrpSpPr/>
+        <p:nvPr/>
+      </p:nvGrpSpPr>
+      <p:grpSpPr>
+        <a:xfrm>
+          <a:off x="0" y="0"/>
+          <a:ext cx="0" cy="0"/>
+          <a:chOff x="0" y="0"/>
+          <a:chExt cx="0" cy="0"/>
+        </a:xfrm>
+      </p:grpSpPr>
+      <p:pic>
+        <p:nvPicPr>
+          <p:cNvPr id="3" name="그림 2"/>
+          <p:cNvPicPr>
+            <a:picLocks noChangeAspect="1"/>
+          </p:cNvPicPr>
+          <p:nvPr/>
+        </p:nvPicPr>
+        <p:blipFill>
+          <a:blip r:embed="rId2"/>
+          <a:stretch>
+            <a:fillRect/>
+          </a:stretch>
+        </p:blipFill>
+        <p:spPr>
+          <a:xfrm>
+            <a:off x="2966043" y="266008"/>
+            <a:ext cx="2539700" cy="6367549"/>
+          </a:xfrm>
+          <a:prstGeom prst="rect">
+            <a:avLst/>
+          </a:prstGeom>
+        </p:spPr>
+      </p:pic>
+      <p:pic>
+        <p:nvPicPr>
+          <p:cNvPr id="4" name="그림 3"/>
+          <p:cNvPicPr>
+            <a:picLocks noChangeAspect="1"/>
+          </p:cNvPicPr>
+          <p:nvPr/>
+        </p:nvPicPr>
+        <p:blipFill>
+          <a:blip r:embed="rId3"/>
+          <a:stretch>
+            <a:fillRect/>
+          </a:stretch>
+        </p:blipFill>
+        <p:spPr>
+          <a:xfrm>
+            <a:off x="365856" y="266008"/>
+            <a:ext cx="2227715" cy="6323429"/>
+          </a:xfrm>
+          <a:prstGeom prst="rect">
+            <a:avLst/>
+          </a:prstGeom>
+        </p:spPr>
+      </p:pic>
+    </p:spTree>
+    <p:extLst>
+      <p:ext uri="{BB962C8B-B14F-4D97-AF65-F5344CB8AC3E}">
+        <p14:creationId xmlns:p14="http://schemas.microsoft.com/office/powerpoint/2010/main" val="1365563790"/>
       </p:ext>
     </p:extLst>
   </p:cSld>
@@ -4110,13 +4327,7 @@
               <a:rPr lang="ko-KR" altLang="en-US" sz="4000" dirty="0" smtClean="0">
                 <a:latin typeface="+mj-ea"/>
               </a:rPr>
-              <a:t> </a:t>
-            </a:r>
-            <a:r>
-              <a:rPr lang="ko-KR" altLang="en-US" sz="4000" dirty="0" smtClean="0">
-                <a:latin typeface="+mj-ea"/>
-              </a:rPr>
-              <a:t>영수증</a:t>
+              <a:t> 영수증</a:t>
             </a:r>
             <a:endParaRPr lang="ko-KR" altLang="en-US" sz="4000" dirty="0">
               <a:latin typeface="+mj-ea"/>

--- a/자바심화PPT과제/자바심화 5강.pptx
+++ b/자바심화PPT과제/자바심화 5강.pptx
@@ -10,14 +10,16 @@
     <p:sldId id="273" r:id="rId4"/>
     <p:sldId id="274" r:id="rId5"/>
     <p:sldId id="275" r:id="rId6"/>
-    <p:sldId id="276" r:id="rId7"/>
-    <p:sldId id="277" r:id="rId8"/>
-    <p:sldId id="278" r:id="rId9"/>
-    <p:sldId id="279" r:id="rId10"/>
-    <p:sldId id="280" r:id="rId11"/>
-    <p:sldId id="281" r:id="rId12"/>
-    <p:sldId id="282" r:id="rId13"/>
-    <p:sldId id="283" r:id="rId14"/>
+    <p:sldId id="285" r:id="rId7"/>
+    <p:sldId id="276" r:id="rId8"/>
+    <p:sldId id="277" r:id="rId9"/>
+    <p:sldId id="278" r:id="rId10"/>
+    <p:sldId id="284" r:id="rId11"/>
+    <p:sldId id="279" r:id="rId12"/>
+    <p:sldId id="280" r:id="rId13"/>
+    <p:sldId id="281" r:id="rId14"/>
+    <p:sldId id="282" r:id="rId15"/>
+    <p:sldId id="283" r:id="rId16"/>
   </p:sldIdLst>
   <p:sldSz cx="12192000" cy="6858000"/>
   <p:notesSz cx="6858000" cy="9144000"/>
@@ -336,7 +338,7 @@
             <a:fld id="{96DFF08F-DC6B-4601-B491-B0F83F6DD2DA}" type="datetimeFigureOut">
               <a:rPr lang="en-US" dirty="0"/>
               <a:pPr/>
-              <a:t>3/23/2023</a:t>
+              <a:t>3/24/2023</a:t>
             </a:fld>
             <a:endParaRPr lang="en-US" dirty="0"/>
           </a:p>
@@ -553,7 +555,7 @@
           <a:p>
             <a:fld id="{96DFF08F-DC6B-4601-B491-B0F83F6DD2DA}" type="datetimeFigureOut">
               <a:rPr lang="en-US" dirty="0"/>
-              <a:t>3/23/2023</a:t>
+              <a:t>3/24/2023</a:t>
             </a:fld>
             <a:endParaRPr lang="en-US" dirty="0"/>
           </a:p>
@@ -728,7 +730,7 @@
           <a:p>
             <a:fld id="{96DFF08F-DC6B-4601-B491-B0F83F6DD2DA}" type="datetimeFigureOut">
               <a:rPr lang="en-US" dirty="0"/>
-              <a:t>3/23/2023</a:t>
+              <a:t>3/24/2023</a:t>
             </a:fld>
             <a:endParaRPr lang="en-US" dirty="0"/>
           </a:p>
@@ -893,7 +895,7 @@
           <a:p>
             <a:fld id="{96DFF08F-DC6B-4601-B491-B0F83F6DD2DA}" type="datetimeFigureOut">
               <a:rPr lang="en-US" dirty="0"/>
-              <a:t>3/23/2023</a:t>
+              <a:t>3/24/2023</a:t>
             </a:fld>
             <a:endParaRPr lang="en-US" dirty="0"/>
           </a:p>
@@ -1162,7 +1164,7 @@
           <a:p>
             <a:fld id="{96DFF08F-DC6B-4601-B491-B0F83F6DD2DA}" type="datetimeFigureOut">
               <a:rPr lang="en-US" dirty="0"/>
-              <a:t>3/23/2023</a:t>
+              <a:t>3/24/2023</a:t>
             </a:fld>
             <a:endParaRPr lang="en-US" dirty="0"/>
           </a:p>
@@ -1480,7 +1482,7 @@
           <a:p>
             <a:fld id="{96DFF08F-DC6B-4601-B491-B0F83F6DD2DA}" type="datetimeFigureOut">
               <a:rPr lang="en-US" dirty="0"/>
-              <a:t>3/23/2023</a:t>
+              <a:t>3/24/2023</a:t>
             </a:fld>
             <a:endParaRPr lang="en-US" dirty="0"/>
           </a:p>
@@ -1899,7 +1901,7 @@
           <a:p>
             <a:fld id="{96DFF08F-DC6B-4601-B491-B0F83F6DD2DA}" type="datetimeFigureOut">
               <a:rPr lang="en-US" dirty="0"/>
-              <a:t>3/23/2023</a:t>
+              <a:t>3/24/2023</a:t>
             </a:fld>
             <a:endParaRPr lang="en-US" dirty="0"/>
           </a:p>
@@ -2012,7 +2014,7 @@
           <a:p>
             <a:fld id="{96DFF08F-DC6B-4601-B491-B0F83F6DD2DA}" type="datetimeFigureOut">
               <a:rPr lang="en-US" dirty="0"/>
-              <a:t>3/23/2023</a:t>
+              <a:t>3/24/2023</a:t>
             </a:fld>
             <a:endParaRPr lang="en-US" dirty="0"/>
           </a:p>
@@ -2102,7 +2104,7 @@
           <a:p>
             <a:fld id="{96DFF08F-DC6B-4601-B491-B0F83F6DD2DA}" type="datetimeFigureOut">
               <a:rPr lang="en-US" dirty="0"/>
-              <a:t>3/23/2023</a:t>
+              <a:t>3/24/2023</a:t>
             </a:fld>
             <a:endParaRPr lang="en-US" dirty="0"/>
           </a:p>
@@ -2387,7 +2389,7 @@
           <a:p>
             <a:fld id="{96DFF08F-DC6B-4601-B491-B0F83F6DD2DA}" type="datetimeFigureOut">
               <a:rPr lang="en-US" dirty="0"/>
-              <a:t>3/23/2023</a:t>
+              <a:t>3/24/2023</a:t>
             </a:fld>
             <a:endParaRPr lang="en-US" dirty="0"/>
           </a:p>
@@ -2654,7 +2656,7 @@
           <a:p>
             <a:fld id="{96DFF08F-DC6B-4601-B491-B0F83F6DD2DA}" type="datetimeFigureOut">
               <a:rPr lang="en-US" dirty="0"/>
-              <a:t>3/23/2023</a:t>
+              <a:t>3/24/2023</a:t>
             </a:fld>
             <a:endParaRPr lang="en-US" dirty="0"/>
           </a:p>
@@ -2904,7 +2906,7 @@
             <a:fld id="{96DFF08F-DC6B-4601-B491-B0F83F6DD2DA}" type="datetimeFigureOut">
               <a:rPr lang="en-US" dirty="0"/>
               <a:pPr/>
-              <a:t>3/23/2023</a:t>
+              <a:t>3/24/2023</a:t>
             </a:fld>
             <a:endParaRPr lang="en-US" dirty="0"/>
           </a:p>
@@ -3482,7 +3484,7 @@
                 <a:latin typeface="+mj-ea"/>
                 <a:ea typeface="+mj-ea"/>
               </a:rPr>
-              <a:t>2023.03.22~23</a:t>
+              <a:t>2023.03.22~24</a:t>
             </a:r>
             <a:endParaRPr lang="en-US" altLang="ko-KR" sz="3200" dirty="0" smtClean="0">
               <a:latin typeface="+mj-ea"/>
@@ -3530,7 +3532,7 @@
       </p:grpSpPr>
       <p:pic>
         <p:nvPicPr>
-          <p:cNvPr id="4" name="그림 3"/>
+          <p:cNvPr id="7" name="그림 6"/>
           <p:cNvPicPr>
             <a:picLocks noChangeAspect="1"/>
           </p:cNvPicPr>
@@ -3544,8 +3546,164 @@
         </p:blipFill>
         <p:spPr>
           <a:xfrm>
-            <a:off x="304356" y="399718"/>
-            <a:ext cx="11522722" cy="6100835"/>
+            <a:off x="398488" y="288797"/>
+            <a:ext cx="3858202" cy="6254021"/>
+          </a:xfrm>
+          <a:prstGeom prst="rect">
+            <a:avLst/>
+          </a:prstGeom>
+        </p:spPr>
+      </p:pic>
+      <p:pic>
+        <p:nvPicPr>
+          <p:cNvPr id="8" name="그림 7"/>
+          <p:cNvPicPr>
+            <a:picLocks noChangeAspect="1"/>
+          </p:cNvPicPr>
+          <p:nvPr/>
+        </p:nvPicPr>
+        <p:blipFill>
+          <a:blip r:embed="rId3"/>
+          <a:stretch>
+            <a:fillRect/>
+          </a:stretch>
+        </p:blipFill>
+        <p:spPr>
+          <a:xfrm>
+            <a:off x="4924502" y="288797"/>
+            <a:ext cx="3872656" cy="6271447"/>
+          </a:xfrm>
+          <a:prstGeom prst="rect">
+            <a:avLst/>
+          </a:prstGeom>
+        </p:spPr>
+      </p:pic>
+    </p:spTree>
+    <p:extLst>
+      <p:ext uri="{BB962C8B-B14F-4D97-AF65-F5344CB8AC3E}">
+        <p14:creationId xmlns:p14="http://schemas.microsoft.com/office/powerpoint/2010/main" val="2764459773"/>
+      </p:ext>
+    </p:extLst>
+  </p:cSld>
+  <p:clrMapOvr>
+    <a:masterClrMapping/>
+  </p:clrMapOvr>
+</p:sld>
+</file>
+
+<file path=ppt/slides/slide11.xml><?xml version="1.0" encoding="utf-8"?>
+<p:sld xmlns:a="http://schemas.openxmlformats.org/drawingml/2006/main" xmlns:r="http://schemas.openxmlformats.org/officeDocument/2006/relationships" xmlns:p="http://schemas.openxmlformats.org/presentationml/2006/main">
+  <p:cSld>
+    <p:spTree>
+      <p:nvGrpSpPr>
+        <p:cNvPr id="1" name=""/>
+        <p:cNvGrpSpPr/>
+        <p:nvPr/>
+      </p:nvGrpSpPr>
+      <p:grpSpPr>
+        <a:xfrm>
+          <a:off x="0" y="0"/>
+          <a:ext cx="0" cy="0"/>
+          <a:chOff x="0" y="0"/>
+          <a:chExt cx="0" cy="0"/>
+        </a:xfrm>
+      </p:grpSpPr>
+      <p:pic>
+        <p:nvPicPr>
+          <p:cNvPr id="6" name="그림 5"/>
+          <p:cNvPicPr>
+            <a:picLocks noChangeAspect="1"/>
+          </p:cNvPicPr>
+          <p:nvPr/>
+        </p:nvPicPr>
+        <p:blipFill>
+          <a:blip r:embed="rId2"/>
+          <a:stretch>
+            <a:fillRect/>
+          </a:stretch>
+        </p:blipFill>
+        <p:spPr>
+          <a:xfrm>
+            <a:off x="434378" y="255357"/>
+            <a:ext cx="4038229" cy="6286424"/>
+          </a:xfrm>
+          <a:prstGeom prst="rect">
+            <a:avLst/>
+          </a:prstGeom>
+        </p:spPr>
+      </p:pic>
+      <p:pic>
+        <p:nvPicPr>
+          <p:cNvPr id="7" name="그림 6"/>
+          <p:cNvPicPr>
+            <a:picLocks noChangeAspect="1"/>
+          </p:cNvPicPr>
+          <p:nvPr/>
+        </p:nvPicPr>
+        <p:blipFill>
+          <a:blip r:embed="rId3"/>
+          <a:stretch>
+            <a:fillRect/>
+          </a:stretch>
+        </p:blipFill>
+        <p:spPr>
+          <a:xfrm>
+            <a:off x="5129177" y="255357"/>
+            <a:ext cx="3824608" cy="6286424"/>
+          </a:xfrm>
+          <a:prstGeom prst="rect">
+            <a:avLst/>
+          </a:prstGeom>
+        </p:spPr>
+      </p:pic>
+    </p:spTree>
+    <p:extLst>
+      <p:ext uri="{BB962C8B-B14F-4D97-AF65-F5344CB8AC3E}">
+        <p14:creationId xmlns:p14="http://schemas.microsoft.com/office/powerpoint/2010/main" val="1738847053"/>
+      </p:ext>
+    </p:extLst>
+  </p:cSld>
+  <p:clrMapOvr>
+    <a:masterClrMapping/>
+  </p:clrMapOvr>
+</p:sld>
+</file>
+
+<file path=ppt/slides/slide12.xml><?xml version="1.0" encoding="utf-8"?>
+<p:sld xmlns:a="http://schemas.openxmlformats.org/drawingml/2006/main" xmlns:r="http://schemas.openxmlformats.org/officeDocument/2006/relationships" xmlns:p="http://schemas.openxmlformats.org/presentationml/2006/main">
+  <p:cSld>
+    <p:spTree>
+      <p:nvGrpSpPr>
+        <p:cNvPr id="1" name=""/>
+        <p:cNvGrpSpPr/>
+        <p:nvPr/>
+      </p:nvGrpSpPr>
+      <p:grpSpPr>
+        <a:xfrm>
+          <a:off x="0" y="0"/>
+          <a:ext cx="0" cy="0"/>
+          <a:chOff x="0" y="0"/>
+          <a:chExt cx="0" cy="0"/>
+        </a:xfrm>
+      </p:grpSpPr>
+      <p:pic>
+        <p:nvPicPr>
+          <p:cNvPr id="5" name="그림 4"/>
+          <p:cNvPicPr>
+            <a:picLocks noChangeAspect="1"/>
+          </p:cNvPicPr>
+          <p:nvPr/>
+        </p:nvPicPr>
+        <p:blipFill>
+          <a:blip r:embed="rId2"/>
+          <a:stretch>
+            <a:fillRect/>
+          </a:stretch>
+        </p:blipFill>
+        <p:spPr>
+          <a:xfrm>
+            <a:off x="267766" y="260571"/>
+            <a:ext cx="11634671" cy="6160108"/>
           </a:xfrm>
           <a:prstGeom prst="rect">
             <a:avLst/>
@@ -3606,7 +3764,61 @@
 </p:sld>
 </file>
 
-<file path=ppt/slides/slide11.xml><?xml version="1.0" encoding="utf-8"?>
+<file path=ppt/slides/slide13.xml><?xml version="1.0" encoding="utf-8"?>
+<p:sld xmlns:a="http://schemas.openxmlformats.org/drawingml/2006/main" xmlns:r="http://schemas.openxmlformats.org/officeDocument/2006/relationships" xmlns:p="http://schemas.openxmlformats.org/presentationml/2006/main">
+  <p:cSld>
+    <p:spTree>
+      <p:nvGrpSpPr>
+        <p:cNvPr id="1" name=""/>
+        <p:cNvGrpSpPr/>
+        <p:nvPr/>
+      </p:nvGrpSpPr>
+      <p:grpSpPr>
+        <a:xfrm>
+          <a:off x="0" y="0"/>
+          <a:ext cx="0" cy="0"/>
+          <a:chOff x="0" y="0"/>
+          <a:chExt cx="0" cy="0"/>
+        </a:xfrm>
+      </p:grpSpPr>
+      <p:pic>
+        <p:nvPicPr>
+          <p:cNvPr id="5" name="그림 4"/>
+          <p:cNvPicPr>
+            <a:picLocks noChangeAspect="1"/>
+          </p:cNvPicPr>
+          <p:nvPr/>
+        </p:nvPicPr>
+        <p:blipFill>
+          <a:blip r:embed="rId2"/>
+          <a:stretch>
+            <a:fillRect/>
+          </a:stretch>
+        </p:blipFill>
+        <p:spPr>
+          <a:xfrm>
+            <a:off x="335251" y="299257"/>
+            <a:ext cx="7944226" cy="6218163"/>
+          </a:xfrm>
+          <a:prstGeom prst="rect">
+            <a:avLst/>
+          </a:prstGeom>
+        </p:spPr>
+      </p:pic>
+    </p:spTree>
+    <p:extLst>
+      <p:ext uri="{BB962C8B-B14F-4D97-AF65-F5344CB8AC3E}">
+        <p14:creationId xmlns:p14="http://schemas.microsoft.com/office/powerpoint/2010/main" val="2833330401"/>
+      </p:ext>
+    </p:extLst>
+  </p:cSld>
+  <p:clrMapOvr>
+    <a:masterClrMapping/>
+  </p:clrMapOvr>
+</p:sld>
+</file>
+
+<file path=ppt/slides/slide14.xml><?xml version="1.0" encoding="utf-8"?>
 <p:sld xmlns:a="http://schemas.openxmlformats.org/drawingml/2006/main" xmlns:r="http://schemas.openxmlformats.org/officeDocument/2006/relationships" xmlns:p="http://schemas.openxmlformats.org/presentationml/2006/main">
   <p:cSld>
     <p:spTree>
@@ -3639,8 +3851,8 @@
         </p:blipFill>
         <p:spPr>
           <a:xfrm>
-            <a:off x="335251" y="299257"/>
-            <a:ext cx="7944226" cy="6218163"/>
+            <a:off x="413854" y="328343"/>
+            <a:ext cx="11393731" cy="3163001"/>
           </a:xfrm>
           <a:prstGeom prst="rect">
             <a:avLst/>
@@ -3650,7 +3862,7 @@
     </p:spTree>
     <p:extLst>
       <p:ext uri="{BB962C8B-B14F-4D97-AF65-F5344CB8AC3E}">
-        <p14:creationId xmlns:p14="http://schemas.microsoft.com/office/powerpoint/2010/main" val="2833330401"/>
+        <p14:creationId xmlns:p14="http://schemas.microsoft.com/office/powerpoint/2010/main" val="1134386333"/>
       </p:ext>
     </p:extLst>
   </p:cSld>
@@ -3660,7 +3872,7 @@
 </p:sld>
 </file>
 
-<file path=ppt/slides/slide12.xml><?xml version="1.0" encoding="utf-8"?>
+<file path=ppt/slides/slide15.xml><?xml version="1.0" encoding="utf-8"?>
 <p:sld xmlns:a="http://schemas.openxmlformats.org/drawingml/2006/main" xmlns:r="http://schemas.openxmlformats.org/officeDocument/2006/relationships" xmlns:p="http://schemas.openxmlformats.org/presentationml/2006/main">
   <p:cSld>
     <p:spTree>
@@ -3679,7 +3891,7 @@
       </p:grpSpPr>
       <p:pic>
         <p:nvPicPr>
-          <p:cNvPr id="3" name="그림 2"/>
+          <p:cNvPr id="8" name="그림 7"/>
           <p:cNvPicPr>
             <a:picLocks noChangeAspect="1"/>
           </p:cNvPicPr>
@@ -3693,71 +3905,17 @@
         </p:blipFill>
         <p:spPr>
           <a:xfrm>
-            <a:off x="413854" y="328343"/>
-            <a:ext cx="11393731" cy="3163001"/>
+            <a:off x="404184" y="298174"/>
+            <a:ext cx="2031897" cy="6221896"/>
           </a:xfrm>
           <a:prstGeom prst="rect">
             <a:avLst/>
           </a:prstGeom>
         </p:spPr>
       </p:pic>
-    </p:spTree>
-    <p:extLst>
-      <p:ext uri="{BB962C8B-B14F-4D97-AF65-F5344CB8AC3E}">
-        <p14:creationId xmlns:p14="http://schemas.microsoft.com/office/powerpoint/2010/main" val="1134386333"/>
-      </p:ext>
-    </p:extLst>
-  </p:cSld>
-  <p:clrMapOvr>
-    <a:masterClrMapping/>
-  </p:clrMapOvr>
-</p:sld>
-</file>
-
-<file path=ppt/slides/slide13.xml><?xml version="1.0" encoding="utf-8"?>
-<p:sld xmlns:a="http://schemas.openxmlformats.org/drawingml/2006/main" xmlns:r="http://schemas.openxmlformats.org/officeDocument/2006/relationships" xmlns:p="http://schemas.openxmlformats.org/presentationml/2006/main">
-  <p:cSld>
-    <p:spTree>
-      <p:nvGrpSpPr>
-        <p:cNvPr id="1" name=""/>
-        <p:cNvGrpSpPr/>
-        <p:nvPr/>
-      </p:nvGrpSpPr>
-      <p:grpSpPr>
-        <a:xfrm>
-          <a:off x="0" y="0"/>
-          <a:ext cx="0" cy="0"/>
-          <a:chOff x="0" y="0"/>
-          <a:chExt cx="0" cy="0"/>
-        </a:xfrm>
-      </p:grpSpPr>
       <p:pic>
         <p:nvPicPr>
-          <p:cNvPr id="3" name="그림 2"/>
-          <p:cNvPicPr>
-            <a:picLocks noChangeAspect="1"/>
-          </p:cNvPicPr>
-          <p:nvPr/>
-        </p:nvPicPr>
-        <p:blipFill>
-          <a:blip r:embed="rId2"/>
-          <a:stretch>
-            <a:fillRect/>
-          </a:stretch>
-        </p:blipFill>
-        <p:spPr>
-          <a:xfrm>
-            <a:off x="2966043" y="266008"/>
-            <a:ext cx="2539700" cy="6367549"/>
-          </a:xfrm>
-          <a:prstGeom prst="rect">
-            <a:avLst/>
-          </a:prstGeom>
-        </p:spPr>
-      </p:pic>
-      <p:pic>
-        <p:nvPicPr>
-          <p:cNvPr id="4" name="그림 3"/>
+          <p:cNvPr id="9" name="그림 8"/>
           <p:cNvPicPr>
             <a:picLocks noChangeAspect="1"/>
           </p:cNvPicPr>
@@ -3771,8 +3929,56 @@
         </p:blipFill>
         <p:spPr>
           <a:xfrm>
-            <a:off x="365856" y="266008"/>
-            <a:ext cx="2227715" cy="6323429"/>
+            <a:off x="5662523" y="298174"/>
+            <a:ext cx="1976815" cy="6221896"/>
+          </a:xfrm>
+          <a:prstGeom prst="rect">
+            <a:avLst/>
+          </a:prstGeom>
+        </p:spPr>
+      </p:pic>
+      <p:pic>
+        <p:nvPicPr>
+          <p:cNvPr id="10" name="그림 9"/>
+          <p:cNvPicPr>
+            <a:picLocks noChangeAspect="1"/>
+          </p:cNvPicPr>
+          <p:nvPr/>
+        </p:nvPicPr>
+        <p:blipFill>
+          <a:blip r:embed="rId4"/>
+          <a:stretch>
+            <a:fillRect/>
+          </a:stretch>
+        </p:blipFill>
+        <p:spPr>
+          <a:xfrm>
+            <a:off x="2761505" y="298174"/>
+            <a:ext cx="2336698" cy="6221896"/>
+          </a:xfrm>
+          <a:prstGeom prst="rect">
+            <a:avLst/>
+          </a:prstGeom>
+        </p:spPr>
+      </p:pic>
+      <p:pic>
+        <p:nvPicPr>
+          <p:cNvPr id="11" name="그림 10"/>
+          <p:cNvPicPr>
+            <a:picLocks noChangeAspect="1"/>
+          </p:cNvPicPr>
+          <p:nvPr/>
+        </p:nvPicPr>
+        <p:blipFill>
+          <a:blip r:embed="rId5"/>
+          <a:stretch>
+            <a:fillRect/>
+          </a:stretch>
+        </p:blipFill>
+        <p:spPr>
+          <a:xfrm>
+            <a:off x="7956376" y="298174"/>
+            <a:ext cx="2221294" cy="6239431"/>
           </a:xfrm>
           <a:prstGeom prst="rect">
             <a:avLst/>
@@ -3978,7 +4184,7 @@
       </p:sp>
       <p:pic>
         <p:nvPicPr>
-          <p:cNvPr id="3" name="그림 2"/>
+          <p:cNvPr id="4" name="그림 3"/>
           <p:cNvPicPr>
             <a:picLocks noChangeAspect="1"/>
           </p:cNvPicPr>
@@ -3992,8 +4198,8 @@
         </p:blipFill>
         <p:spPr>
           <a:xfrm>
-            <a:off x="448656" y="1631575"/>
-            <a:ext cx="8072007" cy="4069977"/>
+            <a:off x="8520663" y="1492823"/>
+            <a:ext cx="3348608" cy="5083881"/>
           </a:xfrm>
           <a:prstGeom prst="rect">
             <a:avLst/>
@@ -4002,7 +4208,7 @@
       </p:pic>
       <p:pic>
         <p:nvPicPr>
-          <p:cNvPr id="4" name="그림 3"/>
+          <p:cNvPr id="5" name="그림 4"/>
           <p:cNvPicPr>
             <a:picLocks noChangeAspect="1"/>
           </p:cNvPicPr>
@@ -4016,8 +4222,8 @@
         </p:blipFill>
         <p:spPr>
           <a:xfrm>
-            <a:off x="8520663" y="1492823"/>
-            <a:ext cx="3348608" cy="5083881"/>
+            <a:off x="585231" y="1492823"/>
+            <a:ext cx="7935432" cy="4242959"/>
           </a:xfrm>
           <a:prstGeom prst="rect">
             <a:avLst/>
@@ -4162,36 +4368,6 @@
           <a:chExt cx="0" cy="0"/>
         </a:xfrm>
       </p:grpSpPr>
-      <p:sp>
-        <p:nvSpPr>
-          <p:cNvPr id="2" name="제목 1"/>
-          <p:cNvSpPr>
-            <a:spLocks noGrp="1"/>
-          </p:cNvSpPr>
-          <p:nvPr>
-            <p:ph type="title"/>
-          </p:nvPr>
-        </p:nvSpPr>
-        <p:spPr>
-          <a:xfrm>
-            <a:off x="1752600" y="5148867"/>
-            <a:ext cx="4343400" cy="945487"/>
-          </a:xfrm>
-        </p:spPr>
-        <p:txBody>
-          <a:bodyPr>
-            <a:normAutofit/>
-          </a:bodyPr>
-          <a:lstStyle/>
-          <a:p>
-            <a:r>
-              <a:rPr lang="ko-KR" altLang="en-US" sz="4000" dirty="0" smtClean="0"/>
-              <a:t>김치찌개 영수증</a:t>
-            </a:r>
-            <a:endParaRPr lang="ko-KR" altLang="en-US" sz="4000" dirty="0"/>
-          </a:p>
-        </p:txBody>
-      </p:sp>
       <p:pic>
         <p:nvPicPr>
           <p:cNvPr id="3" name="그림 2"/>
@@ -4208,38 +4384,44 @@
         </p:blipFill>
         <p:spPr>
           <a:xfrm>
-            <a:off x="363040" y="420710"/>
-            <a:ext cx="9929822" cy="4381590"/>
+            <a:off x="363040" y="1315332"/>
+            <a:ext cx="11551367" cy="5097106"/>
           </a:xfrm>
           <a:prstGeom prst="rect">
             <a:avLst/>
           </a:prstGeom>
         </p:spPr>
       </p:pic>
-      <p:pic>
-        <p:nvPicPr>
-          <p:cNvPr id="4" name="그림 3"/>
-          <p:cNvPicPr>
-            <a:picLocks noChangeAspect="1"/>
-          </p:cNvPicPr>
-          <p:nvPr/>
-        </p:nvPicPr>
-        <p:blipFill>
-          <a:blip r:embed="rId3"/>
-          <a:stretch>
-            <a:fillRect/>
-          </a:stretch>
-        </p:blipFill>
-        <p:spPr>
-          <a:xfrm>
-            <a:off x="8276493" y="3163678"/>
-            <a:ext cx="3506742" cy="3277243"/>
-          </a:xfrm>
-          <a:prstGeom prst="rect">
-            <a:avLst/>
-          </a:prstGeom>
-        </p:spPr>
-      </p:pic>
+      <p:sp>
+        <p:nvSpPr>
+          <p:cNvPr id="2" name="제목 1"/>
+          <p:cNvSpPr>
+            <a:spLocks noGrp="1"/>
+          </p:cNvSpPr>
+          <p:nvPr>
+            <p:ph type="title"/>
+          </p:nvPr>
+        </p:nvSpPr>
+        <p:spPr>
+          <a:xfrm>
+            <a:off x="3780182" y="238937"/>
+            <a:ext cx="4343400" cy="945487"/>
+          </a:xfrm>
+        </p:spPr>
+        <p:txBody>
+          <a:bodyPr>
+            <a:normAutofit/>
+          </a:bodyPr>
+          <a:lstStyle/>
+          <a:p>
+            <a:r>
+              <a:rPr lang="ko-KR" altLang="en-US" sz="4000" dirty="0" smtClean="0"/>
+              <a:t>김치찌개 영수증</a:t>
+            </a:r>
+            <a:endParaRPr lang="ko-KR" altLang="en-US" sz="4000" dirty="0"/>
+          </a:p>
+        </p:txBody>
+      </p:sp>
     </p:spTree>
     <p:extLst>
       <p:ext uri="{BB962C8B-B14F-4D97-AF65-F5344CB8AC3E}">
@@ -4272,7 +4454,7 @@
       </p:grpSpPr>
       <p:pic>
         <p:nvPicPr>
-          <p:cNvPr id="10" name="그림 9"/>
+          <p:cNvPr id="3" name="그림 2"/>
           <p:cNvPicPr>
             <a:picLocks noChangeAspect="1"/>
           </p:cNvPicPr>
@@ -4286,59 +4468,42 @@
         </p:blipFill>
         <p:spPr>
           <a:xfrm>
-            <a:off x="343044" y="415231"/>
-            <a:ext cx="8400906" cy="6061769"/>
+            <a:off x="445555" y="320496"/>
+            <a:ext cx="6352810" cy="6154800"/>
           </a:xfrm>
           <a:prstGeom prst="rect">
             <a:avLst/>
           </a:prstGeom>
         </p:spPr>
       </p:pic>
-      <p:sp>
-        <p:nvSpPr>
-          <p:cNvPr id="2" name="제목 1"/>
-          <p:cNvSpPr>
-            <a:spLocks noGrp="1"/>
-          </p:cNvSpPr>
-          <p:nvPr>
-            <p:ph type="title"/>
-          </p:nvPr>
-        </p:nvSpPr>
-        <p:spPr>
-          <a:xfrm>
-            <a:off x="7219949" y="0"/>
-            <a:ext cx="4539095" cy="1356360"/>
-          </a:xfrm>
-        </p:spPr>
-        <p:txBody>
-          <a:bodyPr>
-            <a:normAutofit/>
-          </a:bodyPr>
-          <a:lstStyle/>
-          <a:p>
-            <a:pPr algn="r"/>
-            <a:r>
-              <a:rPr lang="ko-KR" altLang="en-US" sz="4000" dirty="0" err="1" smtClean="0">
-                <a:latin typeface="+mj-ea"/>
-              </a:rPr>
-              <a:t>다이소</a:t>
-            </a:r>
-            <a:r>
-              <a:rPr lang="ko-KR" altLang="en-US" sz="4000" dirty="0" smtClean="0">
-                <a:latin typeface="+mj-ea"/>
-              </a:rPr>
-              <a:t> 영수증</a:t>
-            </a:r>
-            <a:endParaRPr lang="ko-KR" altLang="en-US" sz="4000" dirty="0">
-              <a:latin typeface="+mj-ea"/>
-            </a:endParaRPr>
-          </a:p>
-        </p:txBody>
-      </p:sp>
+      <p:pic>
+        <p:nvPicPr>
+          <p:cNvPr id="4" name="그림 3"/>
+          <p:cNvPicPr>
+            <a:picLocks noChangeAspect="1"/>
+          </p:cNvPicPr>
+          <p:nvPr/>
+        </p:nvPicPr>
+        <p:blipFill>
+          <a:blip r:embed="rId3"/>
+          <a:stretch>
+            <a:fillRect/>
+          </a:stretch>
+        </p:blipFill>
+        <p:spPr>
+          <a:xfrm>
+            <a:off x="7016051" y="1074758"/>
+            <a:ext cx="4663776" cy="4646276"/>
+          </a:xfrm>
+          <a:prstGeom prst="rect">
+            <a:avLst/>
+          </a:prstGeom>
+        </p:spPr>
+      </p:pic>
     </p:spTree>
     <p:extLst>
       <p:ext uri="{BB962C8B-B14F-4D97-AF65-F5344CB8AC3E}">
-        <p14:creationId xmlns:p14="http://schemas.microsoft.com/office/powerpoint/2010/main" val="634766916"/>
+        <p14:creationId xmlns:p14="http://schemas.microsoft.com/office/powerpoint/2010/main" val="549505947"/>
       </p:ext>
     </p:extLst>
   </p:cSld>
@@ -4367,7 +4532,7 @@
       </p:grpSpPr>
       <p:pic>
         <p:nvPicPr>
-          <p:cNvPr id="2" name="그림 1"/>
+          <p:cNvPr id="5" name="그림 4"/>
           <p:cNvPicPr>
             <a:picLocks noChangeAspect="1"/>
           </p:cNvPicPr>
@@ -4381,18 +4546,59 @@
         </p:blipFill>
         <p:spPr>
           <a:xfrm>
-            <a:off x="538873" y="277089"/>
-            <a:ext cx="6928727" cy="6301624"/>
+            <a:off x="277535" y="269435"/>
+            <a:ext cx="10854291" cy="6274610"/>
           </a:xfrm>
           <a:prstGeom prst="rect">
             <a:avLst/>
           </a:prstGeom>
         </p:spPr>
       </p:pic>
+      <p:sp>
+        <p:nvSpPr>
+          <p:cNvPr id="2" name="제목 1"/>
+          <p:cNvSpPr>
+            <a:spLocks noGrp="1"/>
+          </p:cNvSpPr>
+          <p:nvPr>
+            <p:ph type="title"/>
+          </p:nvPr>
+        </p:nvSpPr>
+        <p:spPr>
+          <a:xfrm>
+            <a:off x="7219949" y="0"/>
+            <a:ext cx="4539095" cy="1356360"/>
+          </a:xfrm>
+        </p:spPr>
+        <p:txBody>
+          <a:bodyPr>
+            <a:normAutofit/>
+          </a:bodyPr>
+          <a:lstStyle/>
+          <a:p>
+            <a:pPr algn="r"/>
+            <a:r>
+              <a:rPr lang="ko-KR" altLang="en-US" sz="4000" dirty="0" err="1" smtClean="0">
+                <a:latin typeface="+mj-ea"/>
+              </a:rPr>
+              <a:t>다이소</a:t>
+            </a:r>
+            <a:r>
+              <a:rPr lang="ko-KR" altLang="en-US" sz="4000" dirty="0" smtClean="0">
+                <a:latin typeface="+mj-ea"/>
+              </a:rPr>
+              <a:t> 영수증</a:t>
+            </a:r>
+            <a:endParaRPr lang="ko-KR" altLang="en-US" sz="4000" dirty="0">
+              <a:latin typeface="+mj-ea"/>
+            </a:endParaRPr>
+          </a:p>
+        </p:txBody>
+      </p:sp>
     </p:spTree>
     <p:extLst>
       <p:ext uri="{BB962C8B-B14F-4D97-AF65-F5344CB8AC3E}">
-        <p14:creationId xmlns:p14="http://schemas.microsoft.com/office/powerpoint/2010/main" val="4285775857"/>
+        <p14:creationId xmlns:p14="http://schemas.microsoft.com/office/powerpoint/2010/main" val="634766916"/>
       </p:ext>
     </p:extLst>
   </p:cSld>
@@ -4421,7 +4627,7 @@
       </p:grpSpPr>
       <p:pic>
         <p:nvPicPr>
-          <p:cNvPr id="2" name="그림 1"/>
+          <p:cNvPr id="4" name="그림 3"/>
           <p:cNvPicPr>
             <a:picLocks noChangeAspect="1"/>
           </p:cNvPicPr>
@@ -4435,8 +4641,8 @@
         </p:blipFill>
         <p:spPr>
           <a:xfrm>
-            <a:off x="308904" y="242530"/>
-            <a:ext cx="11399858" cy="6177320"/>
+            <a:off x="349976" y="337931"/>
+            <a:ext cx="6229728" cy="6209546"/>
           </a:xfrm>
           <a:prstGeom prst="rect">
             <a:avLst/>
@@ -4446,7 +4652,7 @@
     </p:spTree>
     <p:extLst>
       <p:ext uri="{BB962C8B-B14F-4D97-AF65-F5344CB8AC3E}">
-        <p14:creationId xmlns:p14="http://schemas.microsoft.com/office/powerpoint/2010/main" val="3932726514"/>
+        <p14:creationId xmlns:p14="http://schemas.microsoft.com/office/powerpoint/2010/main" val="4285775857"/>
       </p:ext>
     </p:extLst>
   </p:cSld>
@@ -4475,7 +4681,7 @@
       </p:grpSpPr>
       <p:pic>
         <p:nvPicPr>
-          <p:cNvPr id="2" name="그림 1"/>
+          <p:cNvPr id="5" name="그림 4"/>
           <p:cNvPicPr>
             <a:picLocks noChangeAspect="1"/>
           </p:cNvPicPr>
@@ -4489,32 +4695,8 @@
         </p:blipFill>
         <p:spPr>
           <a:xfrm>
-            <a:off x="390103" y="323470"/>
-            <a:ext cx="5820197" cy="6134480"/>
-          </a:xfrm>
-          <a:prstGeom prst="rect">
-            <a:avLst/>
-          </a:prstGeom>
-        </p:spPr>
-      </p:pic>
-      <p:pic>
-        <p:nvPicPr>
-          <p:cNvPr id="3" name="그림 2"/>
-          <p:cNvPicPr>
-            <a:picLocks noChangeAspect="1"/>
-          </p:cNvPicPr>
-          <p:nvPr/>
-        </p:nvPicPr>
-        <p:blipFill>
-          <a:blip r:embed="rId3"/>
-          <a:stretch>
-            <a:fillRect/>
-          </a:stretch>
-        </p:blipFill>
-        <p:spPr>
-          <a:xfrm>
-            <a:off x="7751527" y="323470"/>
-            <a:ext cx="3449874" cy="6266439"/>
+            <a:off x="413100" y="315605"/>
+            <a:ext cx="10301283" cy="6296464"/>
           </a:xfrm>
           <a:prstGeom prst="rect">
             <a:avLst/>
@@ -4524,7 +4706,7 @@
     </p:spTree>
     <p:extLst>
       <p:ext uri="{BB962C8B-B14F-4D97-AF65-F5344CB8AC3E}">
-        <p14:creationId xmlns:p14="http://schemas.microsoft.com/office/powerpoint/2010/main" val="1738847053"/>
+        <p14:creationId xmlns:p14="http://schemas.microsoft.com/office/powerpoint/2010/main" val="3932726514"/>
       </p:ext>
     </p:extLst>
   </p:cSld>
